--- a/study-note/자바/2022-09-28 내용정리.pptx
+++ b/study-note/자바/2022-09-28 내용정리.pptx
@@ -8,6 +8,7 @@
     <p:sldId id="256" r:id="rId2"/>
     <p:sldId id="257" r:id="rId3"/>
     <p:sldId id="258" r:id="rId4"/>
+    <p:sldId id="259" r:id="rId5"/>
   </p:sldIdLst>
   <p:sldSz cx="12192000" cy="6858000"/>
   <p:notesSz cx="6858000" cy="9144000"/>
@@ -3371,12 +3372,8 @@
           <a:lstStyle/>
           <a:p>
             <a:r>
-              <a:rPr kumimoji="1" lang="en-US" altLang="ko-Kore-KR"/>
-              <a:t>2022.09.</a:t>
-            </a:r>
-            <a:r>
-              <a:rPr kumimoji="1" lang="en-US" altLang="ko-KR"/>
-              <a:t>28</a:t>
+              <a:rPr kumimoji="1" lang="en-US" altLang="ko-Kore-KR" dirty="0"/>
+              <a:t>2022.09.28</a:t>
             </a:r>
             <a:endParaRPr kumimoji="1" lang="ko-Kore-KR" altLang="en-US" dirty="0"/>
           </a:p>
@@ -6743,6 +6740,1544 @@
     <p:extLst>
       <p:ext uri="{BB962C8B-B14F-4D97-AF65-F5344CB8AC3E}">
         <p14:creationId xmlns:p14="http://schemas.microsoft.com/office/powerpoint/2010/main" val="649873090"/>
+      </p:ext>
+    </p:extLst>
+  </p:cSld>
+  <p:clrMapOvr>
+    <a:masterClrMapping/>
+  </p:clrMapOvr>
+</p:sld>
+</file>
+
+<file path=ppt/slides/slide4.xml><?xml version="1.0" encoding="utf-8"?>
+<p:sld xmlns:a="http://schemas.openxmlformats.org/drawingml/2006/main" xmlns:r="http://schemas.openxmlformats.org/officeDocument/2006/relationships" xmlns:p="http://schemas.openxmlformats.org/presentationml/2006/main">
+  <p:cSld>
+    <p:spTree>
+      <p:nvGrpSpPr>
+        <p:cNvPr id="1" name=""/>
+        <p:cNvGrpSpPr/>
+        <p:nvPr/>
+      </p:nvGrpSpPr>
+      <p:grpSpPr>
+        <a:xfrm>
+          <a:off x="0" y="0"/>
+          <a:ext cx="0" cy="0"/>
+          <a:chOff x="0" y="0"/>
+          <a:chExt cx="0" cy="0"/>
+        </a:xfrm>
+      </p:grpSpPr>
+      <p:graphicFrame>
+        <p:nvGraphicFramePr>
+          <p:cNvPr id="4" name="표 4">
+            <a:extLst>
+              <a:ext uri="{FF2B5EF4-FFF2-40B4-BE49-F238E27FC236}">
+                <a16:creationId xmlns:a16="http://schemas.microsoft.com/office/drawing/2014/main" id="{75AB6D5B-8E23-EB90-6719-84FCF9FB2616}"/>
+              </a:ext>
+            </a:extLst>
+          </p:cNvPr>
+          <p:cNvGraphicFramePr>
+            <a:graphicFrameLocks noGrp="1"/>
+          </p:cNvGraphicFramePr>
+          <p:nvPr>
+            <p:extLst>
+              <p:ext uri="{D42A27DB-BD31-4B8C-83A1-F6EECF244321}">
+                <p14:modId xmlns:p14="http://schemas.microsoft.com/office/powerpoint/2010/main" val="1606584050"/>
+              </p:ext>
+            </p:extLst>
+          </p:nvPr>
+        </p:nvGraphicFramePr>
+        <p:xfrm>
+          <a:off x="-1" y="1825880"/>
+          <a:ext cx="2848400" cy="2518908"/>
+        </p:xfrm>
+        <a:graphic>
+          <a:graphicData uri="http://schemas.openxmlformats.org/drawingml/2006/table">
+            <a:tbl>
+              <a:tblPr firstRow="1" bandRow="1">
+                <a:tableStyleId>{5C22544A-7EE6-4342-B048-85BDC9FD1C3A}</a:tableStyleId>
+              </a:tblPr>
+              <a:tblGrid>
+                <a:gridCol w="1424200">
+                  <a:extLst>
+                    <a:ext uri="{9D8B030D-6E8A-4147-A177-3AD203B41FA5}">
+                      <a16:colId xmlns:a16="http://schemas.microsoft.com/office/drawing/2014/main" val="1363028436"/>
+                    </a:ext>
+                  </a:extLst>
+                </a:gridCol>
+                <a:gridCol w="1424200">
+                  <a:extLst>
+                    <a:ext uri="{9D8B030D-6E8A-4147-A177-3AD203B41FA5}">
+                      <a16:colId xmlns:a16="http://schemas.microsoft.com/office/drawing/2014/main" val="2727441020"/>
+                    </a:ext>
+                  </a:extLst>
+                </a:gridCol>
+              </a:tblGrid>
+              <a:tr h="468003">
+                <a:tc>
+                  <a:txBody>
+                    <a:bodyPr/>
+                    <a:lstStyle/>
+                    <a:p>
+                      <a:pPr algn="ctr"/>
+                      <a:r>
+                        <a:rPr lang="en-US" altLang="ko-Kore-KR" sz="1400" dirty="0"/>
+                        <a:t>Key</a:t>
+                      </a:r>
+                      <a:endParaRPr lang="ko-Kore-KR" altLang="en-US" sz="1400" dirty="0"/>
+                    </a:p>
+                  </a:txBody>
+                  <a:tcPr/>
+                </a:tc>
+                <a:tc>
+                  <a:txBody>
+                    <a:bodyPr/>
+                    <a:lstStyle/>
+                    <a:p>
+                      <a:pPr algn="ctr"/>
+                      <a:r>
+                        <a:rPr lang="en-US" altLang="ko-Kore-KR" sz="1400" dirty="0"/>
+                        <a:t>Value</a:t>
+                      </a:r>
+                      <a:endParaRPr lang="ko-Kore-KR" altLang="en-US" sz="1400" dirty="0"/>
+                    </a:p>
+                  </a:txBody>
+                  <a:tcPr/>
+                </a:tc>
+                <a:extLst>
+                  <a:ext uri="{0D108BD9-81ED-4DB2-BD59-A6C34878D82A}">
+                    <a16:rowId xmlns:a16="http://schemas.microsoft.com/office/drawing/2014/main" val="1575662276"/>
+                  </a:ext>
+                </a:extLst>
+              </a:tr>
+              <a:tr h="483476">
+                <a:tc>
+                  <a:txBody>
+                    <a:bodyPr/>
+                    <a:lstStyle/>
+                    <a:p>
+                      <a:pPr algn="ctr"/>
+                      <a:r>
+                        <a:rPr lang="en-US" altLang="ko-Kore-KR" sz="1400" dirty="0"/>
+                        <a:t>email</a:t>
+                      </a:r>
+                      <a:endParaRPr lang="ko-Kore-KR" altLang="en-US" sz="1400" dirty="0"/>
+                    </a:p>
+                  </a:txBody>
+                  <a:tcPr/>
+                </a:tc>
+                <a:tc>
+                  <a:txBody>
+                    <a:bodyPr/>
+                    <a:lstStyle/>
+                    <a:p>
+                      <a:pPr algn="ctr"/>
+                      <a:r>
+                        <a:rPr lang="en-US" altLang="ko-Kore-KR" sz="1400" dirty="0">
+                          <a:hlinkClick r:id="rId2"/>
+                        </a:rPr>
+                        <a:t>user1@test.com</a:t>
+                      </a:r>
+                      <a:endParaRPr lang="ko-Kore-KR" altLang="en-US" sz="1400" dirty="0"/>
+                    </a:p>
+                  </a:txBody>
+                  <a:tcPr/>
+                </a:tc>
+                <a:extLst>
+                  <a:ext uri="{0D108BD9-81ED-4DB2-BD59-A6C34878D82A}">
+                    <a16:rowId xmlns:a16="http://schemas.microsoft.com/office/drawing/2014/main" val="2802811494"/>
+                  </a:ext>
+                </a:extLst>
+              </a:tr>
+              <a:tr h="515007">
+                <a:tc>
+                  <a:txBody>
+                    <a:bodyPr/>
+                    <a:lstStyle/>
+                    <a:p>
+                      <a:pPr algn="ctr"/>
+                      <a:r>
+                        <a:rPr lang="en-US" altLang="ko-Kore-KR" sz="1400" dirty="0"/>
+                        <a:t>name</a:t>
+                      </a:r>
+                      <a:endParaRPr lang="ko-Kore-KR" altLang="en-US" sz="1400" dirty="0"/>
+                    </a:p>
+                  </a:txBody>
+                  <a:tcPr/>
+                </a:tc>
+                <a:tc>
+                  <a:txBody>
+                    <a:bodyPr/>
+                    <a:lstStyle/>
+                    <a:p>
+                      <a:pPr algn="ctr"/>
+                      <a:r>
+                        <a:rPr lang="en-US" altLang="ko-Kore-KR" sz="1400" dirty="0" err="1"/>
+                        <a:t>okok</a:t>
+                      </a:r>
+                      <a:endParaRPr lang="ko-Kore-KR" altLang="en-US" sz="1400" dirty="0"/>
+                    </a:p>
+                  </a:txBody>
+                  <a:tcPr/>
+                </a:tc>
+                <a:extLst>
+                  <a:ext uri="{0D108BD9-81ED-4DB2-BD59-A6C34878D82A}">
+                    <a16:rowId xmlns:a16="http://schemas.microsoft.com/office/drawing/2014/main" val="4044422482"/>
+                  </a:ext>
+                </a:extLst>
+              </a:tr>
+              <a:tr h="1052422">
+                <a:tc>
+                  <a:txBody>
+                    <a:bodyPr/>
+                    <a:lstStyle/>
+                    <a:p>
+                      <a:pPr algn="ctr"/>
+                      <a:endParaRPr lang="ko-Kore-KR" altLang="en-US" sz="1400"/>
+                    </a:p>
+                  </a:txBody>
+                  <a:tcPr/>
+                </a:tc>
+                <a:tc>
+                  <a:txBody>
+                    <a:bodyPr/>
+                    <a:lstStyle/>
+                    <a:p>
+                      <a:pPr algn="ctr"/>
+                      <a:endParaRPr lang="ko-Kore-KR" altLang="en-US" sz="1400" dirty="0"/>
+                    </a:p>
+                  </a:txBody>
+                  <a:tcPr/>
+                </a:tc>
+                <a:extLst>
+                  <a:ext uri="{0D108BD9-81ED-4DB2-BD59-A6C34878D82A}">
+                    <a16:rowId xmlns:a16="http://schemas.microsoft.com/office/drawing/2014/main" val="2636488062"/>
+                  </a:ext>
+                </a:extLst>
+              </a:tr>
+            </a:tbl>
+          </a:graphicData>
+        </a:graphic>
+      </p:graphicFrame>
+      <p:sp>
+        <p:nvSpPr>
+          <p:cNvPr id="5" name="직사각형 4">
+            <a:extLst>
+              <a:ext uri="{FF2B5EF4-FFF2-40B4-BE49-F238E27FC236}">
+                <a16:creationId xmlns:a16="http://schemas.microsoft.com/office/drawing/2014/main" id="{25F77F5D-E977-3713-0002-B0A9F0D60C2E}"/>
+              </a:ext>
+            </a:extLst>
+          </p:cNvPr>
+          <p:cNvSpPr/>
+          <p:nvPr/>
+        </p:nvSpPr>
+        <p:spPr>
+          <a:xfrm>
+            <a:off x="3484177" y="2483186"/>
+            <a:ext cx="1177159" cy="1208690"/>
+          </a:xfrm>
+          <a:prstGeom prst="rect">
+            <a:avLst/>
+          </a:prstGeom>
+        </p:spPr>
+        <p:style>
+          <a:lnRef idx="2">
+            <a:schemeClr val="accent1">
+              <a:shade val="50000"/>
+            </a:schemeClr>
+          </a:lnRef>
+          <a:fillRef idx="1">
+            <a:schemeClr val="accent1"/>
+          </a:fillRef>
+          <a:effectRef idx="0">
+            <a:schemeClr val="accent1"/>
+          </a:effectRef>
+          <a:fontRef idx="minor">
+            <a:schemeClr val="lt1"/>
+          </a:fontRef>
+        </p:style>
+        <p:txBody>
+          <a:bodyPr rtlCol="0" anchor="ctr"/>
+          <a:lstStyle/>
+          <a:p>
+            <a:pPr algn="ctr"/>
+            <a:r>
+              <a:rPr kumimoji="1" lang="en-US" altLang="ko-Kore-KR" dirty="0"/>
+              <a:t>Web</a:t>
+            </a:r>
+          </a:p>
+          <a:p>
+            <a:pPr algn="ctr"/>
+            <a:r>
+              <a:rPr kumimoji="1" lang="en-US" altLang="ko-Kore-KR" dirty="0"/>
+              <a:t>Browser</a:t>
+            </a:r>
+            <a:endParaRPr kumimoji="1" lang="ko-Kore-KR" altLang="en-US" dirty="0"/>
+          </a:p>
+        </p:txBody>
+      </p:sp>
+      <p:sp>
+        <p:nvSpPr>
+          <p:cNvPr id="6" name="직사각형 5">
+            <a:extLst>
+              <a:ext uri="{FF2B5EF4-FFF2-40B4-BE49-F238E27FC236}">
+                <a16:creationId xmlns:a16="http://schemas.microsoft.com/office/drawing/2014/main" id="{31533557-087E-CA6E-6AB2-D4993C0D857C}"/>
+              </a:ext>
+            </a:extLst>
+          </p:cNvPr>
+          <p:cNvSpPr/>
+          <p:nvPr/>
+        </p:nvSpPr>
+        <p:spPr>
+          <a:xfrm>
+            <a:off x="5573325" y="2491464"/>
+            <a:ext cx="1177159" cy="1208690"/>
+          </a:xfrm>
+          <a:prstGeom prst="rect">
+            <a:avLst/>
+          </a:prstGeom>
+        </p:spPr>
+        <p:style>
+          <a:lnRef idx="2">
+            <a:schemeClr val="accent1">
+              <a:shade val="50000"/>
+            </a:schemeClr>
+          </a:lnRef>
+          <a:fillRef idx="1">
+            <a:schemeClr val="accent1"/>
+          </a:fillRef>
+          <a:effectRef idx="0">
+            <a:schemeClr val="accent1"/>
+          </a:effectRef>
+          <a:fontRef idx="minor">
+            <a:schemeClr val="lt1"/>
+          </a:fontRef>
+        </p:style>
+        <p:txBody>
+          <a:bodyPr rtlCol="0" anchor="ctr"/>
+          <a:lstStyle/>
+          <a:p>
+            <a:pPr algn="ctr"/>
+            <a:r>
+              <a:rPr kumimoji="1" lang="en-US" altLang="ko-Kore-KR" dirty="0"/>
+              <a:t>Tomcat</a:t>
+            </a:r>
+          </a:p>
+          <a:p>
+            <a:pPr algn="ctr"/>
+            <a:r>
+              <a:rPr kumimoji="1" lang="en-US" altLang="ko-Kore-KR" dirty="0"/>
+              <a:t>Server</a:t>
+            </a:r>
+            <a:endParaRPr kumimoji="1" lang="ko-Kore-KR" altLang="en-US" dirty="0"/>
+          </a:p>
+        </p:txBody>
+      </p:sp>
+      <p:sp>
+        <p:nvSpPr>
+          <p:cNvPr id="7" name="직사각형 6">
+            <a:extLst>
+              <a:ext uri="{FF2B5EF4-FFF2-40B4-BE49-F238E27FC236}">
+                <a16:creationId xmlns:a16="http://schemas.microsoft.com/office/drawing/2014/main" id="{5B87C85F-2B5A-F185-69C9-E7A575EA6DB0}"/>
+              </a:ext>
+            </a:extLst>
+          </p:cNvPr>
+          <p:cNvSpPr/>
+          <p:nvPr/>
+        </p:nvSpPr>
+        <p:spPr>
+          <a:xfrm>
+            <a:off x="8185782" y="1482376"/>
+            <a:ext cx="2900855" cy="504496"/>
+          </a:xfrm>
+          <a:prstGeom prst="rect">
+            <a:avLst/>
+          </a:prstGeom>
+        </p:spPr>
+        <p:style>
+          <a:lnRef idx="2">
+            <a:schemeClr val="accent1">
+              <a:shade val="50000"/>
+            </a:schemeClr>
+          </a:lnRef>
+          <a:fillRef idx="1">
+            <a:schemeClr val="accent1"/>
+          </a:fillRef>
+          <a:effectRef idx="0">
+            <a:schemeClr val="accent1"/>
+          </a:effectRef>
+          <a:fontRef idx="minor">
+            <a:schemeClr val="lt1"/>
+          </a:fontRef>
+        </p:style>
+        <p:txBody>
+          <a:bodyPr rtlCol="0" anchor="ctr"/>
+          <a:lstStyle/>
+          <a:p>
+            <a:pPr algn="ctr"/>
+            <a:r>
+              <a:rPr kumimoji="1" lang="en-US" altLang="ko-Kore-KR" dirty="0"/>
+              <a:t>Servlet Context</a:t>
+            </a:r>
+            <a:endParaRPr kumimoji="1" lang="ko-Kore-KR" altLang="en-US" dirty="0"/>
+          </a:p>
+        </p:txBody>
+      </p:sp>
+      <p:sp>
+        <p:nvSpPr>
+          <p:cNvPr id="8" name="직사각형 7">
+            <a:extLst>
+              <a:ext uri="{FF2B5EF4-FFF2-40B4-BE49-F238E27FC236}">
+                <a16:creationId xmlns:a16="http://schemas.microsoft.com/office/drawing/2014/main" id="{F9172F0A-2179-1CF9-4714-550E837BE91B}"/>
+              </a:ext>
+            </a:extLst>
+          </p:cNvPr>
+          <p:cNvSpPr/>
+          <p:nvPr/>
+        </p:nvSpPr>
+        <p:spPr>
+          <a:xfrm>
+            <a:off x="8185781" y="2456918"/>
+            <a:ext cx="2900855" cy="504496"/>
+          </a:xfrm>
+          <a:prstGeom prst="rect">
+            <a:avLst/>
+          </a:prstGeom>
+        </p:spPr>
+        <p:style>
+          <a:lnRef idx="2">
+            <a:schemeClr val="accent1">
+              <a:shade val="50000"/>
+            </a:schemeClr>
+          </a:lnRef>
+          <a:fillRef idx="1">
+            <a:schemeClr val="accent1"/>
+          </a:fillRef>
+          <a:effectRef idx="0">
+            <a:schemeClr val="accent1"/>
+          </a:effectRef>
+          <a:fontRef idx="minor">
+            <a:schemeClr val="lt1"/>
+          </a:fontRef>
+        </p:style>
+        <p:txBody>
+          <a:bodyPr rtlCol="0" anchor="ctr"/>
+          <a:lstStyle/>
+          <a:p>
+            <a:pPr algn="ctr"/>
+            <a:r>
+              <a:rPr kumimoji="1" lang="en-US" altLang="ko-Kore-KR" dirty="0"/>
+              <a:t>Http Session</a:t>
+            </a:r>
+            <a:endParaRPr kumimoji="1" lang="ko-Kore-KR" altLang="en-US" dirty="0"/>
+          </a:p>
+        </p:txBody>
+      </p:sp>
+      <p:sp>
+        <p:nvSpPr>
+          <p:cNvPr id="9" name="직사각형 8">
+            <a:extLst>
+              <a:ext uri="{FF2B5EF4-FFF2-40B4-BE49-F238E27FC236}">
+                <a16:creationId xmlns:a16="http://schemas.microsoft.com/office/drawing/2014/main" id="{982DA093-A753-DC02-FBC3-57EEECDBA853}"/>
+              </a:ext>
+            </a:extLst>
+          </p:cNvPr>
+          <p:cNvSpPr/>
+          <p:nvPr/>
+        </p:nvSpPr>
+        <p:spPr>
+          <a:xfrm>
+            <a:off x="8185780" y="3431752"/>
+            <a:ext cx="2900855" cy="504496"/>
+          </a:xfrm>
+          <a:prstGeom prst="rect">
+            <a:avLst/>
+          </a:prstGeom>
+        </p:spPr>
+        <p:style>
+          <a:lnRef idx="2">
+            <a:schemeClr val="accent1">
+              <a:shade val="50000"/>
+            </a:schemeClr>
+          </a:lnRef>
+          <a:fillRef idx="1">
+            <a:schemeClr val="accent1"/>
+          </a:fillRef>
+          <a:effectRef idx="0">
+            <a:schemeClr val="accent1"/>
+          </a:effectRef>
+          <a:fontRef idx="minor">
+            <a:schemeClr val="lt1"/>
+          </a:fontRef>
+        </p:style>
+        <p:txBody>
+          <a:bodyPr rtlCol="0" anchor="ctr"/>
+          <a:lstStyle/>
+          <a:p>
+            <a:pPr algn="ctr"/>
+            <a:r>
+              <a:rPr kumimoji="1" lang="en-US" altLang="ko-Kore-KR" dirty="0" err="1"/>
+              <a:t>ServletRequest</a:t>
+            </a:r>
+            <a:endParaRPr kumimoji="1" lang="ko-Kore-KR" altLang="en-US" dirty="0"/>
+          </a:p>
+        </p:txBody>
+      </p:sp>
+      <p:sp>
+        <p:nvSpPr>
+          <p:cNvPr id="10" name="직사각형 9">
+            <a:extLst>
+              <a:ext uri="{FF2B5EF4-FFF2-40B4-BE49-F238E27FC236}">
+                <a16:creationId xmlns:a16="http://schemas.microsoft.com/office/drawing/2014/main" id="{1AF1A71C-98A8-C47B-C565-4845E991AAA2}"/>
+              </a:ext>
+            </a:extLst>
+          </p:cNvPr>
+          <p:cNvSpPr/>
+          <p:nvPr/>
+        </p:nvSpPr>
+        <p:spPr>
+          <a:xfrm>
+            <a:off x="8185780" y="4411256"/>
+            <a:ext cx="2900855" cy="504496"/>
+          </a:xfrm>
+          <a:prstGeom prst="rect">
+            <a:avLst/>
+          </a:prstGeom>
+        </p:spPr>
+        <p:style>
+          <a:lnRef idx="2">
+            <a:schemeClr val="accent1">
+              <a:shade val="50000"/>
+            </a:schemeClr>
+          </a:lnRef>
+          <a:fillRef idx="1">
+            <a:schemeClr val="accent1"/>
+          </a:fillRef>
+          <a:effectRef idx="0">
+            <a:schemeClr val="accent1"/>
+          </a:effectRef>
+          <a:fontRef idx="minor">
+            <a:schemeClr val="lt1"/>
+          </a:fontRef>
+        </p:style>
+        <p:txBody>
+          <a:bodyPr rtlCol="0" anchor="ctr"/>
+          <a:lstStyle/>
+          <a:p>
+            <a:pPr algn="ctr"/>
+            <a:r>
+              <a:rPr kumimoji="1" lang="en-US" altLang="ko-Kore-KR" dirty="0" err="1"/>
+              <a:t>PageContext</a:t>
+            </a:r>
+            <a:endParaRPr kumimoji="1" lang="ko-Kore-KR" altLang="en-US" dirty="0"/>
+          </a:p>
+        </p:txBody>
+      </p:sp>
+      <p:sp>
+        <p:nvSpPr>
+          <p:cNvPr id="11" name="직사각형 10">
+            <a:extLst>
+              <a:ext uri="{FF2B5EF4-FFF2-40B4-BE49-F238E27FC236}">
+                <a16:creationId xmlns:a16="http://schemas.microsoft.com/office/drawing/2014/main" id="{9162345D-DE2F-DEA3-FB3D-7CB08F25426A}"/>
+              </a:ext>
+            </a:extLst>
+          </p:cNvPr>
+          <p:cNvSpPr/>
+          <p:nvPr/>
+        </p:nvSpPr>
+        <p:spPr>
+          <a:xfrm>
+            <a:off x="11268814" y="1403514"/>
+            <a:ext cx="1082565" cy="662220"/>
+          </a:xfrm>
+          <a:prstGeom prst="rect">
+            <a:avLst/>
+          </a:prstGeom>
+        </p:spPr>
+        <p:style>
+          <a:lnRef idx="2">
+            <a:schemeClr val="accent1"/>
+          </a:lnRef>
+          <a:fillRef idx="1">
+            <a:schemeClr val="lt1"/>
+          </a:fillRef>
+          <a:effectRef idx="0">
+            <a:schemeClr val="accent1"/>
+          </a:effectRef>
+          <a:fontRef idx="minor">
+            <a:schemeClr val="dk1"/>
+          </a:fontRef>
+        </p:style>
+        <p:txBody>
+          <a:bodyPr rtlCol="0" anchor="ctr"/>
+          <a:lstStyle/>
+          <a:p>
+            <a:pPr marL="171450" indent="-171450">
+              <a:buFont typeface="Arial" panose="020B0604020202020204" pitchFamily="34" charset="0"/>
+              <a:buChar char="•"/>
+            </a:pPr>
+            <a:r>
+              <a:rPr kumimoji="1" lang="en-US" altLang="ko-Kore-KR" sz="1200" dirty="0"/>
+              <a:t>DAO</a:t>
+            </a:r>
+          </a:p>
+          <a:p>
+            <a:pPr marL="171450" indent="-171450">
+              <a:buFont typeface="Arial" panose="020B0604020202020204" pitchFamily="34" charset="0"/>
+              <a:buChar char="•"/>
+            </a:pPr>
+            <a:r>
+              <a:rPr kumimoji="1" lang="en-US" altLang="ko-Kore-KR" sz="1200" dirty="0"/>
+              <a:t>Service</a:t>
+            </a:r>
+          </a:p>
+          <a:p>
+            <a:pPr marL="171450" indent="-171450">
+              <a:buFont typeface="Arial" panose="020B0604020202020204" pitchFamily="34" charset="0"/>
+              <a:buChar char="•"/>
+            </a:pPr>
+            <a:r>
+              <a:rPr kumimoji="1" lang="en-US" altLang="ko-Kore-KR" sz="1200" dirty="0"/>
+              <a:t>Connection</a:t>
+            </a:r>
+            <a:endParaRPr kumimoji="1" lang="ko-Kore-KR" altLang="en-US" sz="1200" dirty="0"/>
+          </a:p>
+        </p:txBody>
+      </p:sp>
+      <p:sp>
+        <p:nvSpPr>
+          <p:cNvPr id="12" name="직사각형 11">
+            <a:extLst>
+              <a:ext uri="{FF2B5EF4-FFF2-40B4-BE49-F238E27FC236}">
+                <a16:creationId xmlns:a16="http://schemas.microsoft.com/office/drawing/2014/main" id="{FB9FF087-B99E-4701-F848-C1CBA2FBE7E2}"/>
+              </a:ext>
+            </a:extLst>
+          </p:cNvPr>
+          <p:cNvSpPr/>
+          <p:nvPr/>
+        </p:nvSpPr>
+        <p:spPr>
+          <a:xfrm>
+            <a:off x="11268814" y="2445789"/>
+            <a:ext cx="1504731" cy="504496"/>
+          </a:xfrm>
+          <a:prstGeom prst="rect">
+            <a:avLst/>
+          </a:prstGeom>
+        </p:spPr>
+        <p:style>
+          <a:lnRef idx="2">
+            <a:schemeClr val="accent1"/>
+          </a:lnRef>
+          <a:fillRef idx="1">
+            <a:schemeClr val="lt1"/>
+          </a:fillRef>
+          <a:effectRef idx="0">
+            <a:schemeClr val="accent1"/>
+          </a:effectRef>
+          <a:fontRef idx="minor">
+            <a:schemeClr val="dk1"/>
+          </a:fontRef>
+        </p:style>
+        <p:txBody>
+          <a:bodyPr rtlCol="0" anchor="ctr"/>
+          <a:lstStyle/>
+          <a:p>
+            <a:pPr marL="171450" indent="-171450">
+              <a:buFont typeface="Arial" panose="020B0604020202020204" pitchFamily="34" charset="0"/>
+              <a:buChar char="•"/>
+            </a:pPr>
+            <a:r>
+              <a:rPr kumimoji="1" lang="ko-KR" altLang="en-US" sz="1200" dirty="0"/>
+              <a:t>로그인 사용자</a:t>
+            </a:r>
+            <a:endParaRPr kumimoji="1" lang="en-US" altLang="ko-KR" sz="1200" dirty="0"/>
+          </a:p>
+          <a:p>
+            <a:pPr marL="171450" indent="-171450">
+              <a:buFont typeface="Arial" panose="020B0604020202020204" pitchFamily="34" charset="0"/>
+              <a:buChar char="•"/>
+            </a:pPr>
+            <a:r>
+              <a:rPr kumimoji="1" lang="ko-KR" altLang="en-US" sz="1200" dirty="0" err="1"/>
+              <a:t>입력값</a:t>
+            </a:r>
+            <a:endParaRPr kumimoji="1" lang="en-US" altLang="ko-KR" sz="1200" dirty="0"/>
+          </a:p>
+        </p:txBody>
+      </p:sp>
+      <p:sp>
+        <p:nvSpPr>
+          <p:cNvPr id="13" name="직사각형 12">
+            <a:extLst>
+              <a:ext uri="{FF2B5EF4-FFF2-40B4-BE49-F238E27FC236}">
+                <a16:creationId xmlns:a16="http://schemas.microsoft.com/office/drawing/2014/main" id="{DE75F81B-A874-F108-36BD-25004F761D0E}"/>
+              </a:ext>
+            </a:extLst>
+          </p:cNvPr>
+          <p:cNvSpPr/>
+          <p:nvPr/>
+        </p:nvSpPr>
+        <p:spPr>
+          <a:xfrm>
+            <a:off x="11268814" y="3527839"/>
+            <a:ext cx="1462690" cy="312322"/>
+          </a:xfrm>
+          <a:prstGeom prst="rect">
+            <a:avLst/>
+          </a:prstGeom>
+        </p:spPr>
+        <p:style>
+          <a:lnRef idx="2">
+            <a:schemeClr val="accent1"/>
+          </a:lnRef>
+          <a:fillRef idx="1">
+            <a:schemeClr val="lt1"/>
+          </a:fillRef>
+          <a:effectRef idx="0">
+            <a:schemeClr val="accent1"/>
+          </a:effectRef>
+          <a:fontRef idx="minor">
+            <a:schemeClr val="dk1"/>
+          </a:fontRef>
+        </p:style>
+        <p:txBody>
+          <a:bodyPr rtlCol="0" anchor="ctr"/>
+          <a:lstStyle/>
+          <a:p>
+            <a:pPr marL="171450" indent="-171450">
+              <a:buFont typeface="Arial" panose="020B0604020202020204" pitchFamily="34" charset="0"/>
+              <a:buChar char="•"/>
+            </a:pPr>
+            <a:r>
+              <a:rPr kumimoji="1" lang="ko-KR" altLang="en-US" sz="1200" dirty="0"/>
+              <a:t>요청 처리 결과</a:t>
+            </a:r>
+            <a:endParaRPr kumimoji="1" lang="en-US" altLang="ko-KR" sz="1200" dirty="0"/>
+          </a:p>
+        </p:txBody>
+      </p:sp>
+      <p:sp>
+        <p:nvSpPr>
+          <p:cNvPr id="14" name="직사각형 13">
+            <a:extLst>
+              <a:ext uri="{FF2B5EF4-FFF2-40B4-BE49-F238E27FC236}">
+                <a16:creationId xmlns:a16="http://schemas.microsoft.com/office/drawing/2014/main" id="{E22928A3-5FE0-ABBC-F8A2-A0F17BB8A48C}"/>
+              </a:ext>
+            </a:extLst>
+          </p:cNvPr>
+          <p:cNvSpPr/>
+          <p:nvPr/>
+        </p:nvSpPr>
+        <p:spPr>
+          <a:xfrm>
+            <a:off x="11268814" y="4507343"/>
+            <a:ext cx="1651876" cy="312322"/>
+          </a:xfrm>
+          <a:prstGeom prst="rect">
+            <a:avLst/>
+          </a:prstGeom>
+        </p:spPr>
+        <p:style>
+          <a:lnRef idx="2">
+            <a:schemeClr val="accent1"/>
+          </a:lnRef>
+          <a:fillRef idx="1">
+            <a:schemeClr val="lt1"/>
+          </a:fillRef>
+          <a:effectRef idx="0">
+            <a:schemeClr val="accent1"/>
+          </a:effectRef>
+          <a:fontRef idx="minor">
+            <a:schemeClr val="dk1"/>
+          </a:fontRef>
+        </p:style>
+        <p:txBody>
+          <a:bodyPr rtlCol="0" anchor="ctr"/>
+          <a:lstStyle/>
+          <a:p>
+            <a:pPr marL="171450" indent="-171450">
+              <a:buFont typeface="Arial" panose="020B0604020202020204" pitchFamily="34" charset="0"/>
+              <a:buChar char="•"/>
+            </a:pPr>
+            <a:r>
+              <a:rPr kumimoji="1" lang="en-US" altLang="ko-KR" sz="1200" dirty="0"/>
+              <a:t>EL</a:t>
+            </a:r>
+            <a:r>
+              <a:rPr kumimoji="1" lang="ko-KR" altLang="en-US" sz="1200" dirty="0"/>
+              <a:t>에서 사용할 객체</a:t>
+            </a:r>
+            <a:endParaRPr kumimoji="1" lang="en-US" altLang="ko-KR" sz="1200" dirty="0"/>
+          </a:p>
+        </p:txBody>
+      </p:sp>
+      <p:cxnSp>
+        <p:nvCxnSpPr>
+          <p:cNvPr id="16" name="구부러진 연결선[U] 15">
+            <a:extLst>
+              <a:ext uri="{FF2B5EF4-FFF2-40B4-BE49-F238E27FC236}">
+                <a16:creationId xmlns:a16="http://schemas.microsoft.com/office/drawing/2014/main" id="{FCD92F33-DAC5-EE2F-A646-D7563035C2A9}"/>
+              </a:ext>
+            </a:extLst>
+          </p:cNvPr>
+          <p:cNvCxnSpPr>
+            <a:cxnSpLocks/>
+            <a:stCxn id="4" idx="0"/>
+            <a:endCxn id="5" idx="0"/>
+          </p:cNvCxnSpPr>
+          <p:nvPr/>
+        </p:nvCxnSpPr>
+        <p:spPr>
+          <a:xfrm rot="16200000" flipH="1">
+            <a:off x="2419825" y="830254"/>
+            <a:ext cx="657306" cy="2648558"/>
+          </a:xfrm>
+          <a:prstGeom prst="curvedConnector3">
+            <a:avLst>
+              <a:gd name="adj1" fmla="val -34778"/>
+            </a:avLst>
+          </a:prstGeom>
+          <a:ln>
+            <a:tailEnd type="triangle"/>
+          </a:ln>
+        </p:spPr>
+        <p:style>
+          <a:lnRef idx="3">
+            <a:schemeClr val="accent1"/>
+          </a:lnRef>
+          <a:fillRef idx="0">
+            <a:schemeClr val="accent1"/>
+          </a:fillRef>
+          <a:effectRef idx="2">
+            <a:schemeClr val="accent1"/>
+          </a:effectRef>
+          <a:fontRef idx="minor">
+            <a:schemeClr val="tx1"/>
+          </a:fontRef>
+        </p:style>
+      </p:cxnSp>
+      <p:cxnSp>
+        <p:nvCxnSpPr>
+          <p:cNvPr id="18" name="구부러진 연결선[U] 17">
+            <a:extLst>
+              <a:ext uri="{FF2B5EF4-FFF2-40B4-BE49-F238E27FC236}">
+                <a16:creationId xmlns:a16="http://schemas.microsoft.com/office/drawing/2014/main" id="{0DEE01F7-D464-AA7B-A27B-E30055FE3C7A}"/>
+              </a:ext>
+            </a:extLst>
+          </p:cNvPr>
+          <p:cNvCxnSpPr>
+            <a:cxnSpLocks/>
+            <a:stCxn id="5" idx="2"/>
+            <a:endCxn id="4" idx="2"/>
+          </p:cNvCxnSpPr>
+          <p:nvPr/>
+        </p:nvCxnSpPr>
+        <p:spPr>
+          <a:xfrm rot="5400000">
+            <a:off x="2422022" y="2694053"/>
+            <a:ext cx="652912" cy="2648558"/>
+          </a:xfrm>
+          <a:prstGeom prst="curvedConnector3">
+            <a:avLst>
+              <a:gd name="adj1" fmla="val 135012"/>
+            </a:avLst>
+          </a:prstGeom>
+          <a:ln>
+            <a:tailEnd type="triangle"/>
+          </a:ln>
+        </p:spPr>
+        <p:style>
+          <a:lnRef idx="3">
+            <a:schemeClr val="accent1"/>
+          </a:lnRef>
+          <a:fillRef idx="0">
+            <a:schemeClr val="accent1"/>
+          </a:fillRef>
+          <a:effectRef idx="2">
+            <a:schemeClr val="accent1"/>
+          </a:effectRef>
+          <a:fontRef idx="minor">
+            <a:schemeClr val="tx1"/>
+          </a:fontRef>
+        </p:style>
+      </p:cxnSp>
+      <p:sp>
+        <p:nvSpPr>
+          <p:cNvPr id="21" name="직사각형 20">
+            <a:extLst>
+              <a:ext uri="{FF2B5EF4-FFF2-40B4-BE49-F238E27FC236}">
+                <a16:creationId xmlns:a16="http://schemas.microsoft.com/office/drawing/2014/main" id="{192FF05F-2C1A-6C46-EFED-046D90EE3BE4}"/>
+              </a:ext>
+            </a:extLst>
+          </p:cNvPr>
+          <p:cNvSpPr/>
+          <p:nvPr/>
+        </p:nvSpPr>
+        <p:spPr>
+          <a:xfrm>
+            <a:off x="0" y="1281305"/>
+            <a:ext cx="1194482" cy="363050"/>
+          </a:xfrm>
+          <a:prstGeom prst="rect">
+            <a:avLst/>
+          </a:prstGeom>
+          <a:ln/>
+        </p:spPr>
+        <p:style>
+          <a:lnRef idx="2">
+            <a:schemeClr val="accent1"/>
+          </a:lnRef>
+          <a:fillRef idx="1">
+            <a:schemeClr val="lt1"/>
+          </a:fillRef>
+          <a:effectRef idx="0">
+            <a:schemeClr val="accent1"/>
+          </a:effectRef>
+          <a:fontRef idx="minor">
+            <a:schemeClr val="dk1"/>
+          </a:fontRef>
+        </p:style>
+        <p:txBody>
+          <a:bodyPr rtlCol="0" anchor="ctr"/>
+          <a:lstStyle/>
+          <a:p>
+            <a:pPr algn="ctr"/>
+            <a:r>
+              <a:rPr kumimoji="1" lang="ko-KR" altLang="en-US" sz="1200" b="1" dirty="0"/>
+              <a:t>쿠키 테이블</a:t>
+            </a:r>
+            <a:endParaRPr kumimoji="1" lang="ko-Kore-KR" altLang="en-US" sz="1200" b="1" dirty="0"/>
+          </a:p>
+        </p:txBody>
+      </p:sp>
+      <p:sp>
+        <p:nvSpPr>
+          <p:cNvPr id="22" name="직사각형 21">
+            <a:extLst>
+              <a:ext uri="{FF2B5EF4-FFF2-40B4-BE49-F238E27FC236}">
+                <a16:creationId xmlns:a16="http://schemas.microsoft.com/office/drawing/2014/main" id="{5F69B957-2606-3D51-10ED-292EE45309BF}"/>
+              </a:ext>
+            </a:extLst>
+          </p:cNvPr>
+          <p:cNvSpPr/>
+          <p:nvPr/>
+        </p:nvSpPr>
+        <p:spPr>
+          <a:xfrm>
+            <a:off x="413357" y="4954670"/>
+            <a:ext cx="2021684" cy="363050"/>
+          </a:xfrm>
+          <a:prstGeom prst="rect">
+            <a:avLst/>
+          </a:prstGeom>
+          <a:ln/>
+        </p:spPr>
+        <p:style>
+          <a:lnRef idx="2">
+            <a:schemeClr val="accent1"/>
+          </a:lnRef>
+          <a:fillRef idx="1">
+            <a:schemeClr val="lt1"/>
+          </a:fillRef>
+          <a:effectRef idx="0">
+            <a:schemeClr val="accent1"/>
+          </a:effectRef>
+          <a:fontRef idx="minor">
+            <a:schemeClr val="dk1"/>
+          </a:fontRef>
+        </p:style>
+        <p:txBody>
+          <a:bodyPr rtlCol="0" anchor="ctr"/>
+          <a:lstStyle/>
+          <a:p>
+            <a:pPr algn="ctr"/>
+            <a:r>
+              <a:rPr kumimoji="1" lang="ko-KR" altLang="en-US" sz="1200" b="1" dirty="0"/>
+              <a:t>클라이언트 저장소</a:t>
+            </a:r>
+            <a:endParaRPr kumimoji="1" lang="ko-Kore-KR" altLang="en-US" sz="1200" b="1" dirty="0"/>
+          </a:p>
+        </p:txBody>
+      </p:sp>
+      <p:sp>
+        <p:nvSpPr>
+          <p:cNvPr id="23" name="직사각형 22">
+            <a:extLst>
+              <a:ext uri="{FF2B5EF4-FFF2-40B4-BE49-F238E27FC236}">
+                <a16:creationId xmlns:a16="http://schemas.microsoft.com/office/drawing/2014/main" id="{88FE24F8-C5E9-6675-9F5F-D872A22E5AAE}"/>
+              </a:ext>
+            </a:extLst>
+          </p:cNvPr>
+          <p:cNvSpPr/>
+          <p:nvPr/>
+        </p:nvSpPr>
+        <p:spPr>
+          <a:xfrm>
+            <a:off x="8625365" y="5273386"/>
+            <a:ext cx="2021684" cy="363050"/>
+          </a:xfrm>
+          <a:prstGeom prst="rect">
+            <a:avLst/>
+          </a:prstGeom>
+          <a:ln/>
+        </p:spPr>
+        <p:style>
+          <a:lnRef idx="2">
+            <a:schemeClr val="accent1"/>
+          </a:lnRef>
+          <a:fillRef idx="1">
+            <a:schemeClr val="lt1"/>
+          </a:fillRef>
+          <a:effectRef idx="0">
+            <a:schemeClr val="accent1"/>
+          </a:effectRef>
+          <a:fontRef idx="minor">
+            <a:schemeClr val="dk1"/>
+          </a:fontRef>
+        </p:style>
+        <p:txBody>
+          <a:bodyPr rtlCol="0" anchor="ctr"/>
+          <a:lstStyle/>
+          <a:p>
+            <a:pPr algn="ctr"/>
+            <a:r>
+              <a:rPr kumimoji="1" lang="ko-KR" altLang="en-US" sz="1200" b="1" dirty="0"/>
+              <a:t>서버 저장소</a:t>
+            </a:r>
+            <a:endParaRPr kumimoji="1" lang="ko-Kore-KR" altLang="en-US" sz="1200" b="1" dirty="0"/>
+          </a:p>
+        </p:txBody>
+      </p:sp>
+      <p:sp>
+        <p:nvSpPr>
+          <p:cNvPr id="24" name="직사각형 23">
+            <a:extLst>
+              <a:ext uri="{FF2B5EF4-FFF2-40B4-BE49-F238E27FC236}">
+                <a16:creationId xmlns:a16="http://schemas.microsoft.com/office/drawing/2014/main" id="{D129C27A-02AD-2559-D63D-F51AAA163267}"/>
+              </a:ext>
+            </a:extLst>
+          </p:cNvPr>
+          <p:cNvSpPr/>
+          <p:nvPr/>
+        </p:nvSpPr>
+        <p:spPr>
+          <a:xfrm>
+            <a:off x="3116921" y="1590825"/>
+            <a:ext cx="1441339" cy="504496"/>
+          </a:xfrm>
+          <a:prstGeom prst="rect">
+            <a:avLst/>
+          </a:prstGeom>
+        </p:spPr>
+        <p:style>
+          <a:lnRef idx="2">
+            <a:schemeClr val="accent1"/>
+          </a:lnRef>
+          <a:fillRef idx="1">
+            <a:schemeClr val="lt1"/>
+          </a:fillRef>
+          <a:effectRef idx="0">
+            <a:schemeClr val="accent1"/>
+          </a:effectRef>
+          <a:fontRef idx="minor">
+            <a:schemeClr val="dk1"/>
+          </a:fontRef>
+        </p:style>
+        <p:txBody>
+          <a:bodyPr rtlCol="0" anchor="ctr"/>
+          <a:lstStyle/>
+          <a:p>
+            <a:pPr algn="ctr"/>
+            <a:r>
+              <a:rPr kumimoji="1" lang="ko-KR" altLang="en-US" sz="1200" dirty="0"/>
+              <a:t>서버로 보낼 쿠키를 꺼냄</a:t>
+            </a:r>
+            <a:endParaRPr kumimoji="1" lang="en-US" altLang="ko-Kore-KR" sz="1200" dirty="0"/>
+          </a:p>
+        </p:txBody>
+      </p:sp>
+      <p:sp>
+        <p:nvSpPr>
+          <p:cNvPr id="25" name="직사각형 24">
+            <a:extLst>
+              <a:ext uri="{FF2B5EF4-FFF2-40B4-BE49-F238E27FC236}">
+                <a16:creationId xmlns:a16="http://schemas.microsoft.com/office/drawing/2014/main" id="{3F6A1FD6-EAED-3BBC-E39D-CEEC02C73795}"/>
+              </a:ext>
+            </a:extLst>
+          </p:cNvPr>
+          <p:cNvSpPr/>
+          <p:nvPr/>
+        </p:nvSpPr>
+        <p:spPr>
+          <a:xfrm>
+            <a:off x="3116921" y="4188627"/>
+            <a:ext cx="1441339" cy="504496"/>
+          </a:xfrm>
+          <a:prstGeom prst="rect">
+            <a:avLst/>
+          </a:prstGeom>
+        </p:spPr>
+        <p:style>
+          <a:lnRef idx="2">
+            <a:schemeClr val="accent1"/>
+          </a:lnRef>
+          <a:fillRef idx="1">
+            <a:schemeClr val="lt1"/>
+          </a:fillRef>
+          <a:effectRef idx="0">
+            <a:schemeClr val="accent1"/>
+          </a:effectRef>
+          <a:fontRef idx="minor">
+            <a:schemeClr val="dk1"/>
+          </a:fontRef>
+        </p:style>
+        <p:txBody>
+          <a:bodyPr rtlCol="0" anchor="ctr"/>
+          <a:lstStyle/>
+          <a:p>
+            <a:pPr algn="ctr"/>
+            <a:r>
+              <a:rPr kumimoji="1" lang="ko-KR" altLang="en-US" sz="1200" dirty="0"/>
+              <a:t>서버로부터</a:t>
+            </a:r>
+            <a:endParaRPr kumimoji="1" lang="en-US" altLang="ko-KR" sz="1200" dirty="0"/>
+          </a:p>
+          <a:p>
+            <a:pPr algn="ctr"/>
+            <a:r>
+              <a:rPr kumimoji="1" lang="ko-KR" altLang="en-US" sz="1200" dirty="0"/>
+              <a:t>받은 쿠키 저장</a:t>
+            </a:r>
+            <a:endParaRPr kumimoji="1" lang="en-US" altLang="ko-Kore-KR" sz="1200" dirty="0"/>
+          </a:p>
+        </p:txBody>
+      </p:sp>
+      <p:cxnSp>
+        <p:nvCxnSpPr>
+          <p:cNvPr id="26" name="구부러진 연결선[U] 25">
+            <a:extLst>
+              <a:ext uri="{FF2B5EF4-FFF2-40B4-BE49-F238E27FC236}">
+                <a16:creationId xmlns:a16="http://schemas.microsoft.com/office/drawing/2014/main" id="{8CF83C94-BBAD-E132-2B5D-575CFA80241F}"/>
+              </a:ext>
+            </a:extLst>
+          </p:cNvPr>
+          <p:cNvCxnSpPr>
+            <a:cxnSpLocks/>
+            <a:stCxn id="5" idx="0"/>
+            <a:endCxn id="6" idx="0"/>
+          </p:cNvCxnSpPr>
+          <p:nvPr/>
+        </p:nvCxnSpPr>
+        <p:spPr>
+          <a:xfrm rot="16200000" flipH="1">
+            <a:off x="5113192" y="1442751"/>
+            <a:ext cx="8278" cy="2089148"/>
+          </a:xfrm>
+          <a:prstGeom prst="curvedConnector3">
+            <a:avLst>
+              <a:gd name="adj1" fmla="val -2761537"/>
+            </a:avLst>
+          </a:prstGeom>
+          <a:ln>
+            <a:tailEnd type="triangle"/>
+          </a:ln>
+        </p:spPr>
+        <p:style>
+          <a:lnRef idx="3">
+            <a:schemeClr val="accent1"/>
+          </a:lnRef>
+          <a:fillRef idx="0">
+            <a:schemeClr val="accent1"/>
+          </a:fillRef>
+          <a:effectRef idx="2">
+            <a:schemeClr val="accent1"/>
+          </a:effectRef>
+          <a:fontRef idx="minor">
+            <a:schemeClr val="tx1"/>
+          </a:fontRef>
+        </p:style>
+      </p:cxnSp>
+      <p:cxnSp>
+        <p:nvCxnSpPr>
+          <p:cNvPr id="29" name="구부러진 연결선[U] 28">
+            <a:extLst>
+              <a:ext uri="{FF2B5EF4-FFF2-40B4-BE49-F238E27FC236}">
+                <a16:creationId xmlns:a16="http://schemas.microsoft.com/office/drawing/2014/main" id="{95E03941-1D02-7229-6708-3DC8FBB0994F}"/>
+              </a:ext>
+            </a:extLst>
+          </p:cNvPr>
+          <p:cNvCxnSpPr>
+            <a:cxnSpLocks/>
+            <a:stCxn id="6" idx="2"/>
+            <a:endCxn id="5" idx="2"/>
+          </p:cNvCxnSpPr>
+          <p:nvPr/>
+        </p:nvCxnSpPr>
+        <p:spPr>
+          <a:xfrm rot="5400000" flipH="1">
+            <a:off x="5113192" y="2651441"/>
+            <a:ext cx="8278" cy="2089148"/>
+          </a:xfrm>
+          <a:prstGeom prst="curvedConnector3">
+            <a:avLst>
+              <a:gd name="adj1" fmla="val -2761537"/>
+            </a:avLst>
+          </a:prstGeom>
+          <a:ln>
+            <a:tailEnd type="triangle"/>
+          </a:ln>
+        </p:spPr>
+        <p:style>
+          <a:lnRef idx="3">
+            <a:schemeClr val="accent1"/>
+          </a:lnRef>
+          <a:fillRef idx="0">
+            <a:schemeClr val="accent1"/>
+          </a:fillRef>
+          <a:effectRef idx="2">
+            <a:schemeClr val="accent1"/>
+          </a:effectRef>
+          <a:fontRef idx="minor">
+            <a:schemeClr val="tx1"/>
+          </a:fontRef>
+        </p:style>
+      </p:cxnSp>
+      <p:sp>
+        <p:nvSpPr>
+          <p:cNvPr id="32" name="직사각형 31">
+            <a:extLst>
+              <a:ext uri="{FF2B5EF4-FFF2-40B4-BE49-F238E27FC236}">
+                <a16:creationId xmlns:a16="http://schemas.microsoft.com/office/drawing/2014/main" id="{2928CF3D-5740-169B-F04E-9E4F26743788}"/>
+              </a:ext>
+            </a:extLst>
+          </p:cNvPr>
+          <p:cNvSpPr/>
+          <p:nvPr/>
+        </p:nvSpPr>
+        <p:spPr>
+          <a:xfrm>
+            <a:off x="4843514" y="2137842"/>
+            <a:ext cx="596024" cy="285529"/>
+          </a:xfrm>
+          <a:prstGeom prst="rect">
+            <a:avLst/>
+          </a:prstGeom>
+        </p:spPr>
+        <p:style>
+          <a:lnRef idx="2">
+            <a:schemeClr val="accent1"/>
+          </a:lnRef>
+          <a:fillRef idx="1">
+            <a:schemeClr val="lt1"/>
+          </a:fillRef>
+          <a:effectRef idx="0">
+            <a:schemeClr val="accent1"/>
+          </a:effectRef>
+          <a:fontRef idx="minor">
+            <a:schemeClr val="dk1"/>
+          </a:fontRef>
+        </p:style>
+        <p:txBody>
+          <a:bodyPr rtlCol="0" anchor="ctr"/>
+          <a:lstStyle/>
+          <a:p>
+            <a:pPr algn="ctr"/>
+            <a:r>
+              <a:rPr kumimoji="1" lang="ko-Kore-KR" altLang="en-US" sz="1200" dirty="0"/>
+              <a:t>요청</a:t>
+            </a:r>
+          </a:p>
+        </p:txBody>
+      </p:sp>
+      <p:sp>
+        <p:nvSpPr>
+          <p:cNvPr id="33" name="직사각형 32">
+            <a:extLst>
+              <a:ext uri="{FF2B5EF4-FFF2-40B4-BE49-F238E27FC236}">
+                <a16:creationId xmlns:a16="http://schemas.microsoft.com/office/drawing/2014/main" id="{794C42C0-4D71-821D-DC45-705C8F408672}"/>
+              </a:ext>
+            </a:extLst>
+          </p:cNvPr>
+          <p:cNvSpPr/>
+          <p:nvPr/>
+        </p:nvSpPr>
+        <p:spPr>
+          <a:xfrm>
+            <a:off x="4843514" y="3774683"/>
+            <a:ext cx="596024" cy="285529"/>
+          </a:xfrm>
+          <a:prstGeom prst="rect">
+            <a:avLst/>
+          </a:prstGeom>
+        </p:spPr>
+        <p:style>
+          <a:lnRef idx="2">
+            <a:schemeClr val="accent1"/>
+          </a:lnRef>
+          <a:fillRef idx="1">
+            <a:schemeClr val="lt1"/>
+          </a:fillRef>
+          <a:effectRef idx="0">
+            <a:schemeClr val="accent1"/>
+          </a:effectRef>
+          <a:fontRef idx="minor">
+            <a:schemeClr val="dk1"/>
+          </a:fontRef>
+        </p:style>
+        <p:txBody>
+          <a:bodyPr rtlCol="0" anchor="ctr"/>
+          <a:lstStyle/>
+          <a:p>
+            <a:pPr algn="ctr"/>
+            <a:r>
+              <a:rPr kumimoji="1" lang="ko-Kore-KR" altLang="en-US" sz="1200" dirty="0"/>
+              <a:t>응답</a:t>
+            </a:r>
+          </a:p>
+        </p:txBody>
+      </p:sp>
+      <p:sp>
+        <p:nvSpPr>
+          <p:cNvPr id="36" name="모서리가 둥근 직사각형 35">
+            <a:extLst>
+              <a:ext uri="{FF2B5EF4-FFF2-40B4-BE49-F238E27FC236}">
+                <a16:creationId xmlns:a16="http://schemas.microsoft.com/office/drawing/2014/main" id="{E4A05B8C-6EE3-4F95-F2EF-A14604A6CAFC}"/>
+              </a:ext>
+            </a:extLst>
+          </p:cNvPr>
+          <p:cNvSpPr/>
+          <p:nvPr/>
+        </p:nvSpPr>
+        <p:spPr>
+          <a:xfrm>
+            <a:off x="4885773" y="2962783"/>
+            <a:ext cx="601718" cy="423041"/>
+          </a:xfrm>
+          <a:prstGeom prst="roundRect">
+            <a:avLst/>
+          </a:prstGeom>
+        </p:spPr>
+        <p:style>
+          <a:lnRef idx="3">
+            <a:schemeClr val="lt1"/>
+          </a:lnRef>
+          <a:fillRef idx="1">
+            <a:schemeClr val="accent2"/>
+          </a:fillRef>
+          <a:effectRef idx="1">
+            <a:schemeClr val="accent2"/>
+          </a:effectRef>
+          <a:fontRef idx="minor">
+            <a:schemeClr val="lt1"/>
+          </a:fontRef>
+        </p:style>
+        <p:txBody>
+          <a:bodyPr rtlCol="0" anchor="ctr"/>
+          <a:lstStyle/>
+          <a:p>
+            <a:pPr algn="ctr"/>
+            <a:r>
+              <a:rPr kumimoji="1" lang="en-US" altLang="ko-Kore-KR" sz="1200" dirty="0"/>
+              <a:t>HTTP</a:t>
+            </a:r>
+            <a:endParaRPr kumimoji="1" lang="ko-Kore-KR" altLang="en-US" sz="1200" dirty="0"/>
+          </a:p>
+        </p:txBody>
+      </p:sp>
+      <p:cxnSp>
+        <p:nvCxnSpPr>
+          <p:cNvPr id="53" name="구부러진 연결선[U] 52">
+            <a:extLst>
+              <a:ext uri="{FF2B5EF4-FFF2-40B4-BE49-F238E27FC236}">
+                <a16:creationId xmlns:a16="http://schemas.microsoft.com/office/drawing/2014/main" id="{497F22CE-B78C-DEA5-DF56-9F956783FD5D}"/>
+              </a:ext>
+            </a:extLst>
+          </p:cNvPr>
+          <p:cNvCxnSpPr>
+            <a:stCxn id="7" idx="1"/>
+            <a:endCxn id="10" idx="1"/>
+          </p:cNvCxnSpPr>
+          <p:nvPr/>
+        </p:nvCxnSpPr>
+        <p:spPr>
+          <a:xfrm rot="10800000" flipV="1">
+            <a:off x="8185780" y="1734624"/>
+            <a:ext cx="2" cy="2928880"/>
+          </a:xfrm>
+          <a:prstGeom prst="curvedConnector3">
+            <a:avLst>
+              <a:gd name="adj1" fmla="val 11430100000"/>
+            </a:avLst>
+          </a:prstGeom>
+          <a:ln>
+            <a:headEnd type="triangle"/>
+            <a:tailEnd type="triangle"/>
+          </a:ln>
+        </p:spPr>
+        <p:style>
+          <a:lnRef idx="3">
+            <a:schemeClr val="accent1"/>
+          </a:lnRef>
+          <a:fillRef idx="0">
+            <a:schemeClr val="accent1"/>
+          </a:fillRef>
+          <a:effectRef idx="2">
+            <a:schemeClr val="accent1"/>
+          </a:effectRef>
+          <a:fontRef idx="minor">
+            <a:schemeClr val="tx1"/>
+          </a:fontRef>
+        </p:style>
+      </p:cxnSp>
+      <p:cxnSp>
+        <p:nvCxnSpPr>
+          <p:cNvPr id="55" name="직선 화살표 연결선 54">
+            <a:extLst>
+              <a:ext uri="{FF2B5EF4-FFF2-40B4-BE49-F238E27FC236}">
+                <a16:creationId xmlns:a16="http://schemas.microsoft.com/office/drawing/2014/main" id="{64F0DADC-DF36-228C-CFC1-627E5E168372}"/>
+              </a:ext>
+            </a:extLst>
+          </p:cNvPr>
+          <p:cNvCxnSpPr>
+            <a:cxnSpLocks/>
+            <a:stCxn id="6" idx="3"/>
+          </p:cNvCxnSpPr>
+          <p:nvPr/>
+        </p:nvCxnSpPr>
+        <p:spPr>
+          <a:xfrm>
+            <a:off x="6750484" y="3095809"/>
+            <a:ext cx="1253117" cy="0"/>
+          </a:xfrm>
+          <a:prstGeom prst="straightConnector1">
+            <a:avLst/>
+          </a:prstGeom>
+          <a:ln>
+            <a:headEnd type="triangle"/>
+            <a:tailEnd type="triangle"/>
+          </a:ln>
+        </p:spPr>
+        <p:style>
+          <a:lnRef idx="3">
+            <a:schemeClr val="accent1"/>
+          </a:lnRef>
+          <a:fillRef idx="0">
+            <a:schemeClr val="accent1"/>
+          </a:fillRef>
+          <a:effectRef idx="2">
+            <a:schemeClr val="accent1"/>
+          </a:effectRef>
+          <a:fontRef idx="minor">
+            <a:schemeClr val="tx1"/>
+          </a:fontRef>
+        </p:style>
+      </p:cxnSp>
+      <p:sp>
+        <p:nvSpPr>
+          <p:cNvPr id="38" name="직사각형 37">
+            <a:extLst>
+              <a:ext uri="{FF2B5EF4-FFF2-40B4-BE49-F238E27FC236}">
+                <a16:creationId xmlns:a16="http://schemas.microsoft.com/office/drawing/2014/main" id="{C4955ED6-D604-8C9A-04F2-0192EB790918}"/>
+              </a:ext>
+            </a:extLst>
+          </p:cNvPr>
+          <p:cNvSpPr/>
+          <p:nvPr/>
+        </p:nvSpPr>
+        <p:spPr>
+          <a:xfrm>
+            <a:off x="6809714" y="3286579"/>
+            <a:ext cx="1253114" cy="279180"/>
+          </a:xfrm>
+          <a:prstGeom prst="rect">
+            <a:avLst/>
+          </a:prstGeom>
+        </p:spPr>
+        <p:style>
+          <a:lnRef idx="2">
+            <a:schemeClr val="accent1"/>
+          </a:lnRef>
+          <a:fillRef idx="1">
+            <a:schemeClr val="lt1"/>
+          </a:fillRef>
+          <a:effectRef idx="0">
+            <a:schemeClr val="accent1"/>
+          </a:effectRef>
+          <a:fontRef idx="minor">
+            <a:schemeClr val="dk1"/>
+          </a:fontRef>
+        </p:style>
+        <p:txBody>
+          <a:bodyPr rtlCol="0" anchor="ctr"/>
+          <a:lstStyle/>
+          <a:p>
+            <a:pPr algn="ctr"/>
+            <a:r>
+              <a:rPr kumimoji="1" lang="en-US" altLang="ko-Kore-KR" sz="1200" dirty="0" err="1"/>
+              <a:t>getAttribute</a:t>
+            </a:r>
+            <a:r>
+              <a:rPr kumimoji="1" lang="en-US" altLang="ko-Kore-KR" sz="1200" dirty="0"/>
+              <a:t>()</a:t>
+            </a:r>
+          </a:p>
+        </p:txBody>
+      </p:sp>
+      <p:sp>
+        <p:nvSpPr>
+          <p:cNvPr id="37" name="직사각형 36">
+            <a:extLst>
+              <a:ext uri="{FF2B5EF4-FFF2-40B4-BE49-F238E27FC236}">
+                <a16:creationId xmlns:a16="http://schemas.microsoft.com/office/drawing/2014/main" id="{6FFDA4A6-5A2D-3736-8895-BA1D9B7238B0}"/>
+              </a:ext>
+            </a:extLst>
+          </p:cNvPr>
+          <p:cNvSpPr/>
+          <p:nvPr/>
+        </p:nvSpPr>
+        <p:spPr>
+          <a:xfrm>
+            <a:off x="6809714" y="2654047"/>
+            <a:ext cx="1253117" cy="279180"/>
+          </a:xfrm>
+          <a:prstGeom prst="rect">
+            <a:avLst/>
+          </a:prstGeom>
+        </p:spPr>
+        <p:style>
+          <a:lnRef idx="2">
+            <a:schemeClr val="accent1"/>
+          </a:lnRef>
+          <a:fillRef idx="1">
+            <a:schemeClr val="lt1"/>
+          </a:fillRef>
+          <a:effectRef idx="0">
+            <a:schemeClr val="accent1"/>
+          </a:effectRef>
+          <a:fontRef idx="minor">
+            <a:schemeClr val="dk1"/>
+          </a:fontRef>
+        </p:style>
+        <p:txBody>
+          <a:bodyPr rtlCol="0" anchor="ctr"/>
+          <a:lstStyle/>
+          <a:p>
+            <a:pPr algn="ctr"/>
+            <a:r>
+              <a:rPr kumimoji="1" lang="en-US" altLang="ko-Kore-KR" sz="1200" dirty="0" err="1"/>
+              <a:t>setAttribute</a:t>
+            </a:r>
+            <a:r>
+              <a:rPr kumimoji="1" lang="en-US" altLang="ko-Kore-KR" sz="1200" dirty="0"/>
+              <a:t>()</a:t>
+            </a:r>
+          </a:p>
+        </p:txBody>
+      </p:sp>
+    </p:spTree>
+    <p:extLst>
+      <p:ext uri="{BB962C8B-B14F-4D97-AF65-F5344CB8AC3E}">
+        <p14:creationId xmlns:p14="http://schemas.microsoft.com/office/powerpoint/2010/main" val="1928933508"/>
       </p:ext>
     </p:extLst>
   </p:cSld>
